--- a/003_British_Airways_Data_Science/2_predicting_customer_buying_behaviour/communication/task2_presentation.pptx
+++ b/003_British_Airways_Data_Science/2_predicting_customer_buying_behaviour/communication/task2_presentation.pptx
@@ -262,7 +262,7 @@
           <a:p>
             <a:fld id="{6670FE10-F406-47AF-8AE1-E9BA4C7E25F2}" type="datetimeFigureOut">
               <a:rPr lang="en-GB" smtClean="0"/>
-              <a:t>06/12/2022</a:t>
+              <a:t>19/03/2023</a:t>
             </a:fld>
             <a:endParaRPr lang="en-GB" dirty="0"/>
           </a:p>
@@ -596,7 +596,7 @@
           <a:p>
             <a:fld id="{6670FE10-F406-47AF-8AE1-E9BA4C7E25F2}" type="datetimeFigureOut">
               <a:rPr lang="en-GB" smtClean="0"/>
-              <a:t>06/12/2022</a:t>
+              <a:t>19/03/2023</a:t>
             </a:fld>
             <a:endParaRPr lang="en-GB"/>
           </a:p>
@@ -806,7 +806,7 @@
           <a:p>
             <a:fld id="{6670FE10-F406-47AF-8AE1-E9BA4C7E25F2}" type="datetimeFigureOut">
               <a:rPr lang="en-GB" smtClean="0"/>
-              <a:t>06/12/2022</a:t>
+              <a:t>19/03/2023</a:t>
             </a:fld>
             <a:endParaRPr lang="en-GB"/>
           </a:p>
@@ -1006,7 +1006,7 @@
           <a:p>
             <a:fld id="{6670FE10-F406-47AF-8AE1-E9BA4C7E25F2}" type="datetimeFigureOut">
               <a:rPr lang="en-GB" smtClean="0"/>
-              <a:t>06/12/2022</a:t>
+              <a:t>19/03/2023</a:t>
             </a:fld>
             <a:endParaRPr lang="en-GB"/>
           </a:p>
@@ -1413,7 +1413,7 @@
           <a:p>
             <a:fld id="{6670FE10-F406-47AF-8AE1-E9BA4C7E25F2}" type="datetimeFigureOut">
               <a:rPr lang="en-GB" smtClean="0"/>
-              <a:t>06/12/2022</a:t>
+              <a:t>19/03/2023</a:t>
             </a:fld>
             <a:endParaRPr lang="en-GB"/>
           </a:p>
@@ -1681,7 +1681,7 @@
           <a:p>
             <a:fld id="{6670FE10-F406-47AF-8AE1-E9BA4C7E25F2}" type="datetimeFigureOut">
               <a:rPr lang="en-GB" smtClean="0"/>
-              <a:t>06/12/2022</a:t>
+              <a:t>19/03/2023</a:t>
             </a:fld>
             <a:endParaRPr lang="en-GB"/>
           </a:p>
@@ -2096,7 +2096,7 @@
           <a:p>
             <a:fld id="{6670FE10-F406-47AF-8AE1-E9BA4C7E25F2}" type="datetimeFigureOut">
               <a:rPr lang="en-GB" smtClean="0"/>
-              <a:t>06/12/2022</a:t>
+              <a:t>19/03/2023</a:t>
             </a:fld>
             <a:endParaRPr lang="en-GB"/>
           </a:p>
@@ -2238,7 +2238,7 @@
           <a:p>
             <a:fld id="{6670FE10-F406-47AF-8AE1-E9BA4C7E25F2}" type="datetimeFigureOut">
               <a:rPr lang="en-GB" smtClean="0"/>
-              <a:t>06/12/2022</a:t>
+              <a:t>19/03/2023</a:t>
             </a:fld>
             <a:endParaRPr lang="en-GB"/>
           </a:p>
@@ -2351,7 +2351,7 @@
           <a:p>
             <a:fld id="{6670FE10-F406-47AF-8AE1-E9BA4C7E25F2}" type="datetimeFigureOut">
               <a:rPr lang="en-GB" smtClean="0"/>
-              <a:t>06/12/2022</a:t>
+              <a:t>19/03/2023</a:t>
             </a:fld>
             <a:endParaRPr lang="en-GB"/>
           </a:p>
@@ -2664,7 +2664,7 @@
           <a:p>
             <a:fld id="{6670FE10-F406-47AF-8AE1-E9BA4C7E25F2}" type="datetimeFigureOut">
               <a:rPr lang="en-GB" smtClean="0"/>
-              <a:t>06/12/2022</a:t>
+              <a:t>19/03/2023</a:t>
             </a:fld>
             <a:endParaRPr lang="en-GB"/>
           </a:p>
@@ -2953,7 +2953,7 @@
           <a:p>
             <a:fld id="{6670FE10-F406-47AF-8AE1-E9BA4C7E25F2}" type="datetimeFigureOut">
               <a:rPr lang="en-GB" smtClean="0"/>
-              <a:t>06/12/2022</a:t>
+              <a:t>19/03/2023</a:t>
             </a:fld>
             <a:endParaRPr lang="en-GB"/>
           </a:p>
@@ -3196,7 +3196,7 @@
           <a:p>
             <a:fld id="{6670FE10-F406-47AF-8AE1-E9BA4C7E25F2}" type="datetimeFigureOut">
               <a:rPr lang="en-GB" smtClean="0"/>
-              <a:t>06/12/2022</a:t>
+              <a:t>19/03/2023</a:t>
             </a:fld>
             <a:endParaRPr lang="en-GB"/>
           </a:p>
@@ -3599,6 +3599,36 @@
 <file path=ppt/slides/slide1.xml><?xml version="1.0" encoding="utf-8"?>
 <p:sld xmlns:a="http://schemas.openxmlformats.org/drawingml/2006/main" xmlns:r="http://schemas.openxmlformats.org/officeDocument/2006/relationships" xmlns:p="http://schemas.openxmlformats.org/presentationml/2006/main">
   <p:cSld>
+    <p:bg>
+      <p:bgPr>
+        <a:gradFill flip="none" rotWithShape="1">
+          <a:gsLst>
+            <a:gs pos="0">
+              <a:schemeClr val="accent3">
+                <a:lumMod val="40000"/>
+                <a:lumOff val="60000"/>
+              </a:schemeClr>
+            </a:gs>
+            <a:gs pos="46000">
+              <a:schemeClr val="accent3">
+                <a:lumMod val="95000"/>
+                <a:lumOff val="5000"/>
+              </a:schemeClr>
+            </a:gs>
+            <a:gs pos="100000">
+              <a:schemeClr val="accent3">
+                <a:lumMod val="60000"/>
+              </a:schemeClr>
+            </a:gs>
+          </a:gsLst>
+          <a:path path="circle">
+            <a:fillToRect l="50000" t="130000" r="50000" b="-30000"/>
+          </a:path>
+          <a:tileRect/>
+        </a:gradFill>
+        <a:effectLst/>
+      </p:bgPr>
+    </p:bg>
     <p:spTree>
       <p:nvGrpSpPr>
         <p:cNvPr id="1" name=""/>
@@ -3629,40 +3659,20 @@
             <p:ph type="ctrTitle"/>
           </p:nvPr>
         </p:nvSpPr>
-        <p:spPr/>
-        <p:txBody>
-          <a:bodyPr/>
-          <a:lstStyle/>
-          <a:p>
-            <a:r>
-              <a:rPr lang="en-GB" dirty="0"/>
-              <a:t>TITLE</a:t>
-            </a:r>
-          </a:p>
-        </p:txBody>
-      </p:sp>
-      <p:sp>
-        <p:nvSpPr>
-          <p:cNvPr id="3" name="Subtitle 2">
-            <a:extLst>
-              <a:ext uri="{FF2B5EF4-FFF2-40B4-BE49-F238E27FC236}">
-                <a16:creationId xmlns:a16="http://schemas.microsoft.com/office/drawing/2014/main" id="{7730DC87-B7BC-1B7B-AB86-8B0F1FACBC23}"/>
-              </a:ext>
-            </a:extLst>
-          </p:cNvPr>
-          <p:cNvSpPr>
-            <a:spLocks noGrp="1"/>
-          </p:cNvSpPr>
-          <p:nvPr>
-            <p:ph type="subTitle" idx="1"/>
-          </p:nvPr>
-        </p:nvSpPr>
-        <p:spPr/>
-        <p:txBody>
-          <a:bodyPr/>
-          <a:lstStyle/>
-          <a:p>
-            <a:endParaRPr lang="en-GB" dirty="0"/>
+        <p:spPr>
+          <a:xfrm>
+            <a:off x="1524000" y="2521998"/>
+            <a:ext cx="9144000" cy="1814003"/>
+          </a:xfrm>
+        </p:spPr>
+        <p:txBody>
+          <a:bodyPr/>
+          <a:lstStyle/>
+          <a:p>
+            <a:r>
+              <a:rPr lang="en-GB" b="1" dirty="0"/>
+              <a:t>FINDINGS AND MODEL EVALUATION</a:t>
+            </a:r>
           </a:p>
         </p:txBody>
       </p:sp>
@@ -3698,10 +3708,10 @@
       </p:grpSpPr>
       <p:sp>
         <p:nvSpPr>
-          <p:cNvPr id="2" name="Title 1">
-            <a:extLst>
-              <a:ext uri="{FF2B5EF4-FFF2-40B4-BE49-F238E27FC236}">
-                <a16:creationId xmlns:a16="http://schemas.microsoft.com/office/drawing/2014/main" id="{7BDADD12-D653-7463-3EAD-70846DE1F2CC}"/>
+          <p:cNvPr id="4" name="Title 3">
+            <a:extLst>
+              <a:ext uri="{FF2B5EF4-FFF2-40B4-BE49-F238E27FC236}">
+                <a16:creationId xmlns:a16="http://schemas.microsoft.com/office/drawing/2014/main" id="{8F33A0A8-4CB1-9FBB-9C5D-FED377A82AA5}"/>
               </a:ext>
             </a:extLst>
           </p:cNvPr>
@@ -3712,37 +3722,260 @@
             <p:ph type="title"/>
           </p:nvPr>
         </p:nvSpPr>
-        <p:spPr/>
-        <p:txBody>
-          <a:bodyPr/>
-          <a:lstStyle/>
-          <a:p>
-            <a:endParaRPr lang="en-GB"/>
-          </a:p>
-        </p:txBody>
-      </p:sp>
-      <p:sp>
-        <p:nvSpPr>
-          <p:cNvPr id="3" name="Content Placeholder 2">
-            <a:extLst>
-              <a:ext uri="{FF2B5EF4-FFF2-40B4-BE49-F238E27FC236}">
-                <a16:creationId xmlns:a16="http://schemas.microsoft.com/office/drawing/2014/main" id="{4B7DE7AA-9B0B-5A8C-C9D3-A89360AA97ED}"/>
-              </a:ext>
-            </a:extLst>
-          </p:cNvPr>
-          <p:cNvSpPr>
-            <a:spLocks noGrp="1"/>
-          </p:cNvSpPr>
-          <p:nvPr>
-            <p:ph idx="1"/>
-          </p:nvPr>
-        </p:nvSpPr>
-        <p:spPr/>
-        <p:txBody>
-          <a:bodyPr/>
-          <a:lstStyle/>
-          <a:p>
-            <a:endParaRPr lang="en-GB"/>
+        <p:spPr>
+          <a:xfrm>
+            <a:off x="838200" y="365126"/>
+            <a:ext cx="5181600" cy="661570"/>
+          </a:xfrm>
+        </p:spPr>
+        <p:txBody>
+          <a:bodyPr>
+            <a:normAutofit fontScale="90000"/>
+          </a:bodyPr>
+          <a:lstStyle/>
+          <a:p>
+            <a:r>
+              <a:rPr lang="en-US" b="1" dirty="0"/>
+              <a:t>Findings</a:t>
+            </a:r>
+            <a:endParaRPr lang="en-NG" b="1" dirty="0"/>
+          </a:p>
+        </p:txBody>
+      </p:sp>
+      <p:sp>
+        <p:nvSpPr>
+          <p:cNvPr id="5" name="Content Placeholder 4">
+            <a:extLst>
+              <a:ext uri="{FF2B5EF4-FFF2-40B4-BE49-F238E27FC236}">
+                <a16:creationId xmlns:a16="http://schemas.microsoft.com/office/drawing/2014/main" id="{77E58189-CB38-A259-2C50-D66C77BA1AA5}"/>
+              </a:ext>
+            </a:extLst>
+          </p:cNvPr>
+          <p:cNvSpPr>
+            <a:spLocks noGrp="1"/>
+          </p:cNvSpPr>
+          <p:nvPr>
+            <p:ph sz="half" idx="1"/>
+          </p:nvPr>
+        </p:nvSpPr>
+        <p:spPr>
+          <a:xfrm>
+            <a:off x="722791" y="2421320"/>
+            <a:ext cx="5181600" cy="954107"/>
+          </a:xfrm>
+        </p:spPr>
+        <p:txBody>
+          <a:bodyPr/>
+          <a:lstStyle/>
+          <a:p>
+            <a:r>
+              <a:rPr lang="en-US" dirty="0"/>
+              <a:t>85% of its predictions are correct.</a:t>
+            </a:r>
+          </a:p>
+        </p:txBody>
+      </p:sp>
+      <p:sp>
+        <p:nvSpPr>
+          <p:cNvPr id="6" name="Content Placeholder 5">
+            <a:extLst>
+              <a:ext uri="{FF2B5EF4-FFF2-40B4-BE49-F238E27FC236}">
+                <a16:creationId xmlns:a16="http://schemas.microsoft.com/office/drawing/2014/main" id="{E8FA440A-A3C4-D44B-9D50-BE6287C78727}"/>
+              </a:ext>
+            </a:extLst>
+          </p:cNvPr>
+          <p:cNvSpPr>
+            <a:spLocks noGrp="1"/>
+          </p:cNvSpPr>
+          <p:nvPr>
+            <p:ph sz="half" idx="2"/>
+          </p:nvPr>
+        </p:nvSpPr>
+        <p:spPr>
+          <a:xfrm>
+            <a:off x="6172200" y="1219200"/>
+            <a:ext cx="5181600" cy="4957763"/>
+          </a:xfrm>
+        </p:spPr>
+        <p:txBody>
+          <a:bodyPr/>
+          <a:lstStyle/>
+          <a:p>
+            <a:endParaRPr lang="en-NG" dirty="0"/>
+          </a:p>
+        </p:txBody>
+      </p:sp>
+      <p:sp>
+        <p:nvSpPr>
+          <p:cNvPr id="7" name="Title 3">
+            <a:extLst>
+              <a:ext uri="{FF2B5EF4-FFF2-40B4-BE49-F238E27FC236}">
+                <a16:creationId xmlns:a16="http://schemas.microsoft.com/office/drawing/2014/main" id="{D067F2FE-4984-EB09-49C4-BE619477899F}"/>
+              </a:ext>
+            </a:extLst>
+          </p:cNvPr>
+          <p:cNvSpPr txBox="1">
+            <a:spLocks/>
+          </p:cNvSpPr>
+          <p:nvPr/>
+        </p:nvSpPr>
+        <p:spPr>
+          <a:xfrm>
+            <a:off x="6096000" y="365126"/>
+            <a:ext cx="5181600" cy="661570"/>
+          </a:xfrm>
+          <a:prstGeom prst="rect">
+            <a:avLst/>
+          </a:prstGeom>
+        </p:spPr>
+        <p:txBody>
+          <a:bodyPr vert="horz" lIns="91440" tIns="45720" rIns="91440" bIns="45720" rtlCol="0" anchor="ctr">
+            <a:normAutofit fontScale="97500" lnSpcReduction="10000"/>
+          </a:bodyPr>
+          <a:lstStyle>
+            <a:lvl1pPr algn="l" defTabSz="914400" rtl="0" eaLnBrk="1" latinLnBrk="0" hangingPunct="1">
+              <a:lnSpc>
+                <a:spcPct val="90000"/>
+              </a:lnSpc>
+              <a:spcBef>
+                <a:spcPct val="0"/>
+              </a:spcBef>
+              <a:buNone/>
+              <a:defRPr sz="4400" kern="1200">
+                <a:solidFill>
+                  <a:schemeClr val="tx1"/>
+                </a:solidFill>
+                <a:latin typeface="+mj-lt"/>
+                <a:ea typeface="+mj-ea"/>
+                <a:cs typeface="+mj-cs"/>
+              </a:defRPr>
+            </a:lvl1pPr>
+          </a:lstStyle>
+          <a:p>
+            <a:r>
+              <a:rPr lang="en-US"/>
+              <a:t>sgaerg</a:t>
+            </a:r>
+            <a:endParaRPr lang="en-NG" dirty="0"/>
+          </a:p>
+        </p:txBody>
+      </p:sp>
+      <p:sp>
+        <p:nvSpPr>
+          <p:cNvPr id="8" name="TextBox 7">
+            <a:extLst>
+              <a:ext uri="{FF2B5EF4-FFF2-40B4-BE49-F238E27FC236}">
+                <a16:creationId xmlns:a16="http://schemas.microsoft.com/office/drawing/2014/main" id="{06FE2760-2A26-2570-C3C7-239B141A2804}"/>
+              </a:ext>
+            </a:extLst>
+          </p:cNvPr>
+          <p:cNvSpPr txBox="1"/>
+          <p:nvPr/>
+        </p:nvSpPr>
+        <p:spPr>
+          <a:xfrm>
+            <a:off x="722791" y="1293484"/>
+            <a:ext cx="5066191" cy="954107"/>
+          </a:xfrm>
+          <a:prstGeom prst="rect">
+            <a:avLst/>
+          </a:prstGeom>
+          <a:noFill/>
+        </p:spPr>
+        <p:txBody>
+          <a:bodyPr wrap="square" rtlCol="0">
+            <a:spAutoFit/>
+          </a:bodyPr>
+          <a:lstStyle/>
+          <a:p>
+            <a:pPr marL="285750" indent="-285750">
+              <a:buFont typeface="Arial" panose="020B0604020202020204" pitchFamily="34" charset="0"/>
+              <a:buChar char="•"/>
+            </a:pPr>
+            <a:r>
+              <a:rPr lang="en-US" sz="2800" dirty="0"/>
+              <a:t>15% across 50,000 completed their bookings.</a:t>
+            </a:r>
+          </a:p>
+        </p:txBody>
+      </p:sp>
+      <p:sp>
+        <p:nvSpPr>
+          <p:cNvPr id="9" name="TextBox 8">
+            <a:extLst>
+              <a:ext uri="{FF2B5EF4-FFF2-40B4-BE49-F238E27FC236}">
+                <a16:creationId xmlns:a16="http://schemas.microsoft.com/office/drawing/2014/main" id="{468DEF82-F812-0B40-DEC6-5D13F1DB21A0}"/>
+              </a:ext>
+            </a:extLst>
+          </p:cNvPr>
+          <p:cNvSpPr txBox="1"/>
+          <p:nvPr/>
+        </p:nvSpPr>
+        <p:spPr>
+          <a:xfrm>
+            <a:off x="722791" y="3549156"/>
+            <a:ext cx="4950782" cy="1384995"/>
+          </a:xfrm>
+          <a:prstGeom prst="rect">
+            <a:avLst/>
+          </a:prstGeom>
+          <a:noFill/>
+        </p:spPr>
+        <p:txBody>
+          <a:bodyPr wrap="square" rtlCol="0">
+            <a:spAutoFit/>
+          </a:bodyPr>
+          <a:lstStyle/>
+          <a:p>
+            <a:pPr marL="285750" indent="-285750">
+              <a:buFont typeface="Arial" panose="020B0604020202020204" pitchFamily="34" charset="0"/>
+              <a:buChar char="•"/>
+            </a:pPr>
+            <a:r>
+              <a:rPr lang="en-US" sz="2800" dirty="0"/>
+              <a:t>When the model predicts a customer to complete booking it is 55% correct.</a:t>
+            </a:r>
+            <a:endParaRPr lang="en-NG" sz="2800" dirty="0"/>
+          </a:p>
+        </p:txBody>
+      </p:sp>
+      <p:sp>
+        <p:nvSpPr>
+          <p:cNvPr id="11" name="TextBox 10">
+            <a:extLst>
+              <a:ext uri="{FF2B5EF4-FFF2-40B4-BE49-F238E27FC236}">
+                <a16:creationId xmlns:a16="http://schemas.microsoft.com/office/drawing/2014/main" id="{F73C19C8-F70D-DB4B-625C-1E199776E206}"/>
+              </a:ext>
+            </a:extLst>
+          </p:cNvPr>
+          <p:cNvSpPr txBox="1"/>
+          <p:nvPr/>
+        </p:nvSpPr>
+        <p:spPr>
+          <a:xfrm>
+            <a:off x="722791" y="5107879"/>
+            <a:ext cx="4950782" cy="1384995"/>
+          </a:xfrm>
+          <a:prstGeom prst="rect">
+            <a:avLst/>
+          </a:prstGeom>
+          <a:noFill/>
+        </p:spPr>
+        <p:txBody>
+          <a:bodyPr wrap="square" rtlCol="0">
+            <a:spAutoFit/>
+          </a:bodyPr>
+          <a:lstStyle/>
+          <a:p>
+            <a:pPr marL="285750" indent="-285750">
+              <a:buFont typeface="Arial" panose="020B0604020202020204" pitchFamily="34" charset="0"/>
+              <a:buChar char="•"/>
+            </a:pPr>
+            <a:r>
+              <a:rPr lang="en-US" sz="2800" dirty="0"/>
+              <a:t>The model correctly identifies 14% of all customers that completed bookings.</a:t>
+            </a:r>
+            <a:endParaRPr lang="en-NG" sz="2800" dirty="0"/>
           </a:p>
         </p:txBody>
       </p:sp>
